--- a/demo/MarkLogic.pptx
+++ b/demo/MarkLogic.pptx
@@ -205,7 +205,7 @@
             <a:fld id="{F1819986-2590-4340-9780-2EEBB7C10447}" type="datetimeFigureOut">
               <a:rPr lang="en-US" smtClean="0"/>
               <a:pPr/>
-              <a:t>9/9/2019</a:t>
+              <a:t>9/12/2019</a:t>
             </a:fld>
             <a:endParaRPr lang="en-US"/>
           </a:p>
@@ -1555,7 +1555,7 @@
             <a:fld id="{67337D08-9486-44DC-A1F1-D9005F573934}" type="datetimeFigureOut">
               <a:rPr lang="en-US" smtClean="0"/>
               <a:pPr/>
-              <a:t>9/9/2019</a:t>
+              <a:t>9/12/2019</a:t>
             </a:fld>
             <a:endParaRPr lang="en-US"/>
           </a:p>
@@ -1722,7 +1722,7 @@
             <a:fld id="{67337D08-9486-44DC-A1F1-D9005F573934}" type="datetimeFigureOut">
               <a:rPr lang="en-US" smtClean="0"/>
               <a:pPr/>
-              <a:t>9/9/2019</a:t>
+              <a:t>9/12/2019</a:t>
             </a:fld>
             <a:endParaRPr lang="en-US"/>
           </a:p>
@@ -1899,7 +1899,7 @@
             <a:fld id="{67337D08-9486-44DC-A1F1-D9005F573934}" type="datetimeFigureOut">
               <a:rPr lang="en-US" smtClean="0"/>
               <a:pPr/>
-              <a:t>9/9/2019</a:t>
+              <a:t>9/12/2019</a:t>
             </a:fld>
             <a:endParaRPr lang="en-US"/>
           </a:p>
@@ -2066,7 +2066,7 @@
             <a:fld id="{67337D08-9486-44DC-A1F1-D9005F573934}" type="datetimeFigureOut">
               <a:rPr lang="en-US" smtClean="0"/>
               <a:pPr/>
-              <a:t>9/9/2019</a:t>
+              <a:t>9/12/2019</a:t>
             </a:fld>
             <a:endParaRPr lang="en-US"/>
           </a:p>
@@ -2309,7 +2309,7 @@
             <a:fld id="{67337D08-9486-44DC-A1F1-D9005F573934}" type="datetimeFigureOut">
               <a:rPr lang="en-US" smtClean="0"/>
               <a:pPr/>
-              <a:t>9/9/2019</a:t>
+              <a:t>9/12/2019</a:t>
             </a:fld>
             <a:endParaRPr lang="en-US"/>
           </a:p>
@@ -2594,7 +2594,7 @@
             <a:fld id="{67337D08-9486-44DC-A1F1-D9005F573934}" type="datetimeFigureOut">
               <a:rPr lang="en-US" smtClean="0"/>
               <a:pPr/>
-              <a:t>9/9/2019</a:t>
+              <a:t>9/12/2019</a:t>
             </a:fld>
             <a:endParaRPr lang="en-US"/>
           </a:p>
@@ -3013,7 +3013,7 @@
             <a:fld id="{67337D08-9486-44DC-A1F1-D9005F573934}" type="datetimeFigureOut">
               <a:rPr lang="en-US" smtClean="0"/>
               <a:pPr/>
-              <a:t>9/9/2019</a:t>
+              <a:t>9/12/2019</a:t>
             </a:fld>
             <a:endParaRPr lang="en-US"/>
           </a:p>
@@ -3128,7 +3128,7 @@
             <a:fld id="{67337D08-9486-44DC-A1F1-D9005F573934}" type="datetimeFigureOut">
               <a:rPr lang="en-US" smtClean="0"/>
               <a:pPr/>
-              <a:t>9/9/2019</a:t>
+              <a:t>9/12/2019</a:t>
             </a:fld>
             <a:endParaRPr lang="en-US"/>
           </a:p>
@@ -3220,7 +3220,7 @@
             <a:fld id="{67337D08-9486-44DC-A1F1-D9005F573934}" type="datetimeFigureOut">
               <a:rPr lang="en-US" smtClean="0"/>
               <a:pPr/>
-              <a:t>9/9/2019</a:t>
+              <a:t>9/12/2019</a:t>
             </a:fld>
             <a:endParaRPr lang="en-US"/>
           </a:p>
@@ -3494,7 +3494,7 @@
             <a:fld id="{67337D08-9486-44DC-A1F1-D9005F573934}" type="datetimeFigureOut">
               <a:rPr lang="en-US" smtClean="0"/>
               <a:pPr/>
-              <a:t>9/9/2019</a:t>
+              <a:t>9/12/2019</a:t>
             </a:fld>
             <a:endParaRPr lang="en-US"/>
           </a:p>
@@ -3744,7 +3744,7 @@
             <a:fld id="{67337D08-9486-44DC-A1F1-D9005F573934}" type="datetimeFigureOut">
               <a:rPr lang="en-US" smtClean="0"/>
               <a:pPr/>
-              <a:t>9/9/2019</a:t>
+              <a:t>9/12/2019</a:t>
             </a:fld>
             <a:endParaRPr lang="en-US"/>
           </a:p>
@@ -3954,7 +3954,7 @@
             <a:fld id="{67337D08-9486-44DC-A1F1-D9005F573934}" type="datetimeFigureOut">
               <a:rPr lang="en-US" smtClean="0"/>
               <a:pPr/>
-              <a:t>9/9/2019</a:t>
+              <a:t>9/12/2019</a:t>
             </a:fld>
             <a:endParaRPr lang="en-US"/>
           </a:p>
@@ -4449,10 +4449,6 @@
               <a:rPr lang="en-US" dirty="0" smtClean="0"/>
               <a:t>Triples</a:t>
             </a:r>
-            <a:r>
-              <a:rPr lang="en-US" dirty="0" smtClean="0"/>
-              <a:t/>
-            </a:r>
             <a:br>
               <a:rPr lang="en-US" dirty="0" smtClean="0"/>
             </a:br>
@@ -4510,6 +4506,26 @@
               </a:rPr>
               <a:t>Semantic data represented via Triples.</a:t>
             </a:r>
+          </a:p>
+          <a:p>
+            <a:pPr>
+              <a:buNone/>
+            </a:pPr>
+            <a:r>
+              <a:rPr lang="en-US" sz="2000" dirty="0" smtClean="0">
+                <a:solidFill>
+                  <a:schemeClr val="accent1">
+                    <a:lumMod val="75000"/>
+                  </a:schemeClr>
+                </a:solidFill>
+              </a:rPr>
+              <a:t> -Triples has three parts : subject, predicate, object</a:t>
+            </a:r>
+          </a:p>
+          <a:p>
+            <a:pPr>
+              <a:buNone/>
+            </a:pPr>
             <a:endParaRPr lang="en-US" sz="2000" dirty="0" smtClean="0">
               <a:solidFill>
                 <a:schemeClr val="accent1">
@@ -4530,13 +4546,18 @@
                   </a:schemeClr>
                 </a:solidFill>
               </a:rPr>
-              <a:t> -Triples has three parts : subject, predicate, object</a:t>
-            </a:r>
-          </a:p>
-          <a:p>
-            <a:pPr>
-              <a:buNone/>
-            </a:pPr>
+              <a:t>			</a:t>
+            </a:r>
+            <a:r>
+              <a:rPr lang="en-US" sz="2000" dirty="0" err="1" smtClean="0">
+                <a:solidFill>
+                  <a:schemeClr val="accent1">
+                    <a:lumMod val="75000"/>
+                  </a:schemeClr>
+                </a:solidFill>
+              </a:rPr>
+              <a:t>birthPlace</a:t>
+            </a:r>
             <a:endParaRPr lang="en-US" sz="2000" dirty="0" smtClean="0">
               <a:solidFill>
                 <a:schemeClr val="accent1">
@@ -4547,28 +4568,9 @@
           </a:p>
           <a:p>
             <a:pPr>
-              <a:buNone/>
-            </a:pPr>
-            <a:r>
-              <a:rPr lang="en-US" sz="2000" dirty="0" smtClean="0">
-                <a:solidFill>
-                  <a:schemeClr val="accent1">
-                    <a:lumMod val="75000"/>
-                  </a:schemeClr>
-                </a:solidFill>
-              </a:rPr>
-              <a:t>			</a:t>
-            </a:r>
-            <a:r>
-              <a:rPr lang="en-US" sz="2000" dirty="0" err="1" smtClean="0">
-                <a:solidFill>
-                  <a:schemeClr val="accent1">
-                    <a:lumMod val="75000"/>
-                  </a:schemeClr>
-                </a:solidFill>
-              </a:rPr>
-              <a:t>birthPlace</a:t>
-            </a:r>
+              <a:buFont typeface="Wingdings" pitchFamily="2" charset="2"/>
+              <a:buChar char="Ø"/>
+            </a:pPr>
             <a:endParaRPr lang="en-US" sz="2000" dirty="0" smtClean="0">
               <a:solidFill>
                 <a:schemeClr val="accent1">
@@ -4579,19 +4581,6 @@
           </a:p>
           <a:p>
             <a:pPr>
-              <a:buFont typeface="Wingdings" pitchFamily="2" charset="2"/>
-              <a:buChar char="Ø"/>
-            </a:pPr>
-            <a:endParaRPr lang="en-US" sz="2000" dirty="0" smtClean="0">
-              <a:solidFill>
-                <a:schemeClr val="accent1">
-                  <a:lumMod val="75000"/>
-                </a:schemeClr>
-              </a:solidFill>
-            </a:endParaRPr>
-          </a:p>
-          <a:p>
-            <a:pPr>
               <a:buNone/>
             </a:pPr>
             <a:endParaRPr lang="en-US" sz="2000" dirty="0" smtClean="0"/>
@@ -4606,11 +4595,7 @@
             </a:r>
             <a:r>
               <a:rPr lang="en-US" sz="2000" dirty="0" smtClean="0"/>
-              <a:t>   </a:t>
-            </a:r>
-            <a:r>
-              <a:rPr lang="en-US" sz="2000" dirty="0" smtClean="0"/>
-              <a:t>subject		predicate	object</a:t>
+              <a:t>   subject		predicate	object</a:t>
             </a:r>
             <a:endParaRPr lang="en-US" sz="2000" dirty="0"/>
           </a:p>
@@ -4903,6 +4888,11 @@
               </a:rPr>
               <a:t>IRI (Internationalized Resource Identifier )</a:t>
             </a:r>
+          </a:p>
+          <a:p>
+            <a:pPr>
+              <a:buNone/>
+            </a:pPr>
             <a:endParaRPr lang="en-US" sz="2000" dirty="0" smtClean="0">
               <a:solidFill>
                 <a:schemeClr val="accent1">
@@ -4915,6 +4905,40 @@
             <a:pPr>
               <a:buNone/>
             </a:pPr>
+            <a:r>
+              <a:rPr lang="en-US" sz="1800" dirty="0" smtClean="0"/>
+              <a:t>      &lt;http://dbpedia.org/resource/Jhon&gt;  </a:t>
+            </a:r>
+          </a:p>
+          <a:p>
+            <a:pPr>
+              <a:buNone/>
+            </a:pPr>
+            <a:r>
+              <a:rPr lang="en-US" sz="1800" dirty="0" smtClean="0"/>
+              <a:t>	&lt;http://dbpedia.org/ontology/birthPlace&gt;  </a:t>
+            </a:r>
+          </a:p>
+          <a:p>
+            <a:pPr>
+              <a:buNone/>
+            </a:pPr>
+            <a:r>
+              <a:rPr lang="en-US" sz="1800" dirty="0" smtClean="0"/>
+              <a:t> 	&lt;http://dbpedia.org/resource/Brooklyn&gt; </a:t>
+            </a:r>
+            <a:endParaRPr lang="en-US" sz="1800" dirty="0" smtClean="0">
+              <a:solidFill>
+                <a:schemeClr val="accent1">
+                  <a:lumMod val="75000"/>
+                </a:schemeClr>
+              </a:solidFill>
+            </a:endParaRPr>
+          </a:p>
+          <a:p>
+            <a:pPr>
+              <a:buNone/>
+            </a:pPr>
             <a:endParaRPr lang="en-US" sz="2000" dirty="0" smtClean="0">
               <a:solidFill>
                 <a:schemeClr val="accent1">
@@ -4925,57 +4949,19 @@
           </a:p>
           <a:p>
             <a:pPr>
-              <a:buNone/>
-            </a:pPr>
-            <a:r>
-              <a:rPr lang="en-US" sz="1800" dirty="0" smtClean="0"/>
-              <a:t>      &lt;</a:t>
-            </a:r>
-            <a:r>
-              <a:rPr lang="en-US" sz="1800" dirty="0" smtClean="0"/>
-              <a:t>http://</a:t>
-            </a:r>
-            <a:r>
-              <a:rPr lang="en-US" sz="1800" dirty="0" smtClean="0"/>
-              <a:t>dbpedia.org/resource/Jhon&gt;  </a:t>
-            </a:r>
-          </a:p>
-          <a:p>
-            <a:pPr>
-              <a:buNone/>
-            </a:pPr>
-            <a:r>
-              <a:rPr lang="en-US" sz="1800" dirty="0" smtClean="0"/>
-              <a:t>	&lt;http</a:t>
-            </a:r>
-            <a:r>
-              <a:rPr lang="en-US" sz="1800" dirty="0" smtClean="0"/>
-              <a:t>://</a:t>
-            </a:r>
-            <a:r>
-              <a:rPr lang="en-US" sz="1800" dirty="0" smtClean="0"/>
-              <a:t>dbpedia.org/ontology/birthPlace&gt;  </a:t>
-            </a:r>
-          </a:p>
-          <a:p>
-            <a:pPr>
-              <a:buNone/>
-            </a:pPr>
-            <a:r>
-              <a:rPr lang="en-US" sz="1800" dirty="0" smtClean="0"/>
-              <a:t> 	&lt;</a:t>
-            </a:r>
-            <a:r>
-              <a:rPr lang="en-US" sz="1800" dirty="0" smtClean="0"/>
-              <a:t>http://dbpedia.org/resource/Brooklyn&gt; </a:t>
-            </a:r>
-            <a:endParaRPr lang="en-US" sz="1800" dirty="0" smtClean="0">
-              <a:solidFill>
-                <a:schemeClr val="accent1">
-                  <a:lumMod val="75000"/>
-                </a:schemeClr>
-              </a:solidFill>
-            </a:endParaRPr>
+              <a:buFont typeface="Wingdings" pitchFamily="2" charset="2"/>
+              <a:buChar char="Ø"/>
+            </a:pPr>
+            <a:r>
+              <a:rPr lang="en-US" sz="2000" dirty="0" smtClean="0">
+                <a:solidFill>
+                  <a:schemeClr val="accent1">
+                    <a:lumMod val="75000"/>
+                  </a:schemeClr>
+                </a:solidFill>
+              </a:rPr>
+              <a:t>The value</a:t>
+            </a:r>
           </a:p>
           <a:p>
             <a:pPr>
@@ -4991,68 +4977,20 @@
           </a:p>
           <a:p>
             <a:pPr>
-              <a:buFont typeface="Wingdings" pitchFamily="2" charset="2"/>
-              <a:buChar char="Ø"/>
-            </a:pPr>
-            <a:r>
-              <a:rPr lang="en-US" sz="2000" dirty="0" smtClean="0">
-                <a:solidFill>
-                  <a:schemeClr val="accent1">
-                    <a:lumMod val="75000"/>
-                  </a:schemeClr>
-                </a:solidFill>
-              </a:rPr>
-              <a:t>The value</a:t>
-            </a:r>
-          </a:p>
-          <a:p>
-            <a:pPr>
-              <a:buNone/>
-            </a:pPr>
-            <a:endParaRPr lang="en-US" sz="2000" dirty="0" smtClean="0">
-              <a:solidFill>
-                <a:schemeClr val="accent1">
-                  <a:lumMod val="75000"/>
-                </a:schemeClr>
-              </a:solidFill>
-            </a:endParaRPr>
-          </a:p>
-          <a:p>
-            <a:pPr>
               <a:buNone/>
             </a:pPr>
             <a:r>
               <a:rPr lang="en-US" sz="1800" dirty="0" smtClean="0"/>
-              <a:t> </a:t>
-            </a:r>
+              <a:t>    &lt;http://dbpedia.org/resource/Jhon&gt;</a:t>
+            </a:r>
+          </a:p>
+          <a:p>
+            <a:pPr>
+              <a:buNone/>
+            </a:pPr>
             <a:r>
               <a:rPr lang="en-US" sz="1800" dirty="0" smtClean="0"/>
-              <a:t>   &lt;http</a:t>
-            </a:r>
-            <a:r>
-              <a:rPr lang="en-US" sz="1800" dirty="0" smtClean="0"/>
-              <a:t>://</a:t>
-            </a:r>
-            <a:r>
-              <a:rPr lang="en-US" sz="1800" dirty="0" smtClean="0"/>
-              <a:t>dbpedia.org/resource/Jhon&gt;</a:t>
-            </a:r>
-          </a:p>
-          <a:p>
-            <a:pPr>
-              <a:buNone/>
-            </a:pPr>
-            <a:r>
-              <a:rPr lang="en-US" sz="1800" dirty="0" smtClean="0"/>
-              <a:t>    &lt;http</a:t>
-            </a:r>
-            <a:r>
-              <a:rPr lang="en-US" sz="1800" dirty="0" smtClean="0"/>
-              <a:t>://</a:t>
-            </a:r>
-            <a:r>
-              <a:rPr lang="en-US" sz="1800" dirty="0" smtClean="0"/>
-              <a:t>dbpedia.org/ontology/alias&gt;</a:t>
+              <a:t>    &lt;http://dbpedia.org/ontology/alias&gt;</a:t>
             </a:r>
           </a:p>
           <a:p>
@@ -5063,7 +5001,6 @@
               <a:rPr lang="en-US" sz="1800" dirty="0" smtClean="0"/>
               <a:t>    “The Boss”</a:t>
             </a:r>
-            <a:endParaRPr lang="en-US" sz="1800" dirty="0" smtClean="0"/>
           </a:p>
           <a:p>
             <a:pPr>
@@ -5077,7 +5014,6 @@
               <a:rPr lang="en-US" sz="2000" dirty="0" smtClean="0"/>
               <a:t>   </a:t>
             </a:r>
-            <a:endParaRPr lang="en-US" sz="2000" dirty="0" smtClean="0"/>
           </a:p>
           <a:p>
             <a:pPr>
@@ -5094,27 +5030,17 @@
             </a:pPr>
             <a:r>
               <a:rPr lang="en-US" sz="2000" dirty="0" smtClean="0"/>
-              <a:t>    &lt;http://</a:t>
-            </a:r>
+              <a:t>    &lt;http://dbpedia.org/ontology/birthDate&gt;</a:t>
+            </a:r>
+          </a:p>
+          <a:p>
+            <a:pPr>
+              <a:buNone/>
+            </a:pPr>
             <a:r>
               <a:rPr lang="en-US" sz="2000" dirty="0" smtClean="0"/>
-              <a:t>dbpedia.org/ontology/birthDate&gt;</a:t>
-            </a:r>
-            <a:endParaRPr lang="en-US" sz="2000" dirty="0" smtClean="0"/>
-          </a:p>
-          <a:p>
-            <a:pPr>
-              <a:buNone/>
-            </a:pPr>
-            <a:r>
-              <a:rPr lang="en-US" sz="2000" dirty="0" smtClean="0"/>
-              <a:t>    </a:t>
-            </a:r>
-            <a:r>
-              <a:rPr lang="en-US" sz="2000" dirty="0" smtClean="0"/>
-              <a:t>“1975-09-20”^^&lt;http://www.w3.org/2001/XMLSchema#date&gt;</a:t>
-            </a:r>
-            <a:endParaRPr lang="en-US" sz="2000" dirty="0" smtClean="0"/>
+              <a:t>    “1975-09-20”^^&lt;http://www.w3.org/2001/XMLSchema#date&gt;</a:t>
+            </a:r>
           </a:p>
           <a:p>
             <a:pPr>
@@ -5201,10 +5127,6 @@
               <a:rPr lang="en-US" dirty="0" smtClean="0"/>
               <a:t>Loading Triples</a:t>
             </a:r>
-            <a:r>
-              <a:rPr lang="en-US" dirty="0" smtClean="0"/>
-              <a:t/>
-            </a:r>
             <a:br>
               <a:rPr lang="en-US" dirty="0" smtClean="0"/>
             </a:br>
@@ -5262,13 +5184,6 @@
               </a:rPr>
               <a:t>MLCP</a:t>
             </a:r>
-            <a:endParaRPr lang="en-US" sz="2000" dirty="0" smtClean="0">
-              <a:solidFill>
-                <a:schemeClr val="accent1">
-                  <a:lumMod val="75000"/>
-                </a:schemeClr>
-              </a:solidFill>
-            </a:endParaRPr>
           </a:p>
           <a:p>
             <a:pPr>
@@ -5317,13 +5232,6 @@
               </a:rPr>
               <a:t>Java/node.js API</a:t>
             </a:r>
-            <a:endParaRPr lang="en-US" sz="2000" dirty="0" smtClean="0">
-              <a:solidFill>
-                <a:schemeClr val="accent1">
-                  <a:lumMod val="75000"/>
-                </a:schemeClr>
-              </a:solidFill>
-            </a:endParaRPr>
           </a:p>
           <a:p>
             <a:pPr>
@@ -5448,10 +5356,6 @@
               <a:rPr lang="en-US" dirty="0" smtClean="0"/>
               <a:t>SPARQL</a:t>
             </a:r>
-            <a:r>
-              <a:rPr lang="en-US" dirty="0" smtClean="0"/>
-              <a:t/>
-            </a:r>
             <a:br>
               <a:rPr lang="en-US" dirty="0" smtClean="0"/>
             </a:br>
@@ -5509,13 +5413,6 @@
               </a:rPr>
               <a:t>SPARQL protocol and RDF query language is the query language for triples.</a:t>
             </a:r>
-            <a:endParaRPr lang="en-US" sz="2000" dirty="0" smtClean="0">
-              <a:solidFill>
-                <a:schemeClr val="accent1">
-                  <a:lumMod val="75000"/>
-                </a:schemeClr>
-              </a:solidFill>
-            </a:endParaRPr>
           </a:p>
           <a:p>
             <a:pPr>
@@ -8241,10 +8138,6 @@
               <a:rPr lang="en-US" dirty="0" smtClean="0"/>
               <a:t>Semantics</a:t>
             </a:r>
-            <a:r>
-              <a:rPr lang="en-US" dirty="0" smtClean="0"/>
-              <a:t/>
-            </a:r>
             <a:br>
               <a:rPr lang="en-US" dirty="0" smtClean="0"/>
             </a:br>
@@ -8302,6 +8195,11 @@
               </a:rPr>
               <a:t>Defines the relationships.</a:t>
             </a:r>
+          </a:p>
+          <a:p>
+            <a:pPr>
+              <a:buNone/>
+            </a:pPr>
             <a:endParaRPr lang="en-US" sz="2000" dirty="0" smtClean="0">
               <a:solidFill>
                 <a:schemeClr val="accent1">
@@ -8314,18 +8212,6 @@
             <a:pPr>
               <a:buNone/>
             </a:pPr>
-            <a:endParaRPr lang="en-US" sz="2000" dirty="0" smtClean="0">
-              <a:solidFill>
-                <a:schemeClr val="accent1">
-                  <a:lumMod val="75000"/>
-                </a:schemeClr>
-              </a:solidFill>
-            </a:endParaRPr>
-          </a:p>
-          <a:p>
-            <a:pPr>
-              <a:buNone/>
-            </a:pPr>
             <a:r>
               <a:rPr lang="en-US" sz="2000" dirty="0" smtClean="0">
                 <a:solidFill>
@@ -8336,13 +8222,6 @@
               </a:rPr>
               <a:t>Example: </a:t>
             </a:r>
-            <a:endParaRPr lang="en-US" sz="2000" dirty="0" smtClean="0">
-              <a:solidFill>
-                <a:schemeClr val="accent1">
-                  <a:lumMod val="75000"/>
-                </a:schemeClr>
-              </a:solidFill>
-            </a:endParaRPr>
           </a:p>
           <a:p>
             <a:pPr>
@@ -8358,13 +8237,6 @@
               </a:rPr>
               <a:t>http://en.lodlive.it</a:t>
             </a:r>
-            <a:endParaRPr lang="en-US" sz="2000" dirty="0" smtClean="0">
-              <a:solidFill>
-                <a:schemeClr val="accent1">
-                  <a:lumMod val="75000"/>
-                </a:schemeClr>
-              </a:solidFill>
-            </a:endParaRPr>
           </a:p>
           <a:p>
             <a:pPr>
